--- a/scenario1/rm/T101434-s1.pptx
+++ b/scenario1/rm/T101434-s1.pptx
@@ -5,7 +5,7 @@
     <p:sldMasterId id="2147483648" r:id="rId1"/>
   </p:sldMasterIdLst>
   <p:notesMasterIdLst>
-    <p:notesMasterId r:id="rId35"/>
+    <p:notesMasterId r:id="rId34"/>
   </p:notesMasterIdLst>
   <p:sldIdLst>
     <p:sldId id="256" r:id="rId2"/>
@@ -37,10 +37,9 @@
     <p:sldId id="258" r:id="rId28"/>
     <p:sldId id="283" r:id="rId29"/>
     <p:sldId id="284" r:id="rId30"/>
-    <p:sldId id="285" r:id="rId31"/>
-    <p:sldId id="287" r:id="rId32"/>
-    <p:sldId id="280" r:id="rId33"/>
-    <p:sldId id="279" r:id="rId34"/>
+    <p:sldId id="287" r:id="rId31"/>
+    <p:sldId id="280" r:id="rId32"/>
+    <p:sldId id="279" r:id="rId33"/>
   </p:sldIdLst>
   <p:sldSz cx="12192000" cy="6858000"/>
   <p:notesSz cx="6858000" cy="9144000"/>
@@ -229,7 +228,7 @@
           <a:p>
             <a:fld id="{39C8D823-5070-4303-893E-3EE68598E0B1}" type="datetimeFigureOut">
               <a:rPr lang="en-US" smtClean="0"/>
-              <a:t>10/10/2021</a:t>
+              <a:t>10/12/2021</a:t>
             </a:fld>
             <a:endParaRPr lang="en-US"/>
           </a:p>
@@ -1840,7 +1839,7 @@
           <a:p>
             <a:r>
               <a:rPr lang="en-US" dirty="0"/>
-              <a:t>E1016404-10-autotag-policy-added</a:t>
+              <a:t>50-autotag-add2-policy-created.png</a:t>
             </a:r>
           </a:p>
         </p:txBody>
@@ -1987,7 +1986,7 @@
           <a:p>
             <a:r>
               <a:rPr lang="en-US" dirty="0"/>
-              <a:t>E1016404-20-autotag-policy-run-completed</a:t>
+              <a:t>51-autotag-add2-policy-executed.png</a:t>
             </a:r>
           </a:p>
         </p:txBody>
@@ -2151,7 +2150,7 @@
             </a:pPr>
             <a:r>
               <a:rPr lang="en-US" dirty="0"/>
-              <a:t>E1016404-30-query-for-new-dataset</a:t>
+              <a:t>53-autotag-add2-tagged-dataset.png</a:t>
             </a:r>
           </a:p>
         </p:txBody>
@@ -2296,26 +2295,9 @@
           <a:bodyPr/>
           <a:lstStyle/>
           <a:p>
-            <a:pPr marL="0" marR="0" lvl="0" indent="0" algn="l" defTabSz="914400" rtl="0" eaLnBrk="1" fontAlgn="auto" latinLnBrk="0" hangingPunct="1">
-              <a:lnSpc>
-                <a:spcPct val="100000"/>
-              </a:lnSpc>
-              <a:spcBef>
-                <a:spcPts val="0"/>
-              </a:spcBef>
-              <a:spcAft>
-                <a:spcPts val="0"/>
-              </a:spcAft>
-              <a:buClrTx/>
-              <a:buSzTx/>
-              <a:buFontTx/>
-              <a:buNone/>
-              <a:tabLst/>
-              <a:defRPr/>
-            </a:pPr>
             <a:r>
               <a:rPr lang="en-US" dirty="0"/>
-              <a:t>E1016404-40-new-dataset-w-calculated-tag</a:t>
+              <a:t>60-rebuild-object-access-url.png</a:t>
             </a:r>
           </a:p>
         </p:txBody>
@@ -2335,78 +2317,105 @@
           <a:bodyPr/>
           <a:lstStyle/>
           <a:p>
-            <a:pPr marL="0" marR="0" lvl="0" indent="0" algn="r" defTabSz="914400" rtl="0" eaLnBrk="1" fontAlgn="auto" latinLnBrk="0" hangingPunct="1">
-              <a:lnSpc>
-                <a:spcPct val="100000"/>
-              </a:lnSpc>
-              <a:spcBef>
-                <a:spcPts val="0"/>
-              </a:spcBef>
-              <a:spcAft>
-                <a:spcPts val="0"/>
-              </a:spcAft>
-              <a:buClrTx/>
-              <a:buSzTx/>
-              <a:buFontTx/>
-              <a:buNone/>
-              <a:tabLst/>
-              <a:defRPr/>
-            </a:pPr>
-            <a:fld id="{C37639F4-367D-4C6D-AF3D-3EF385521B21}" type="slidenum">
-              <a:rPr kumimoji="0" lang="en-US" sz="1200" b="0" i="0" u="none" strike="noStrike" kern="1200" cap="none" spc="0" normalizeH="0" baseline="0" noProof="0" smtClean="0">
-                <a:ln>
-                  <a:noFill/>
-                </a:ln>
-                <a:solidFill>
-                  <a:prstClr val="black"/>
-                </a:solidFill>
-                <a:effectLst/>
-                <a:uLnTx/>
-                <a:uFillTx/>
-                <a:latin typeface="Calibri" panose="020F0502020204030204"/>
-                <a:ea typeface="+mn-ea"/>
-                <a:cs typeface="+mn-cs"/>
-              </a:rPr>
-              <a:pPr marL="0" marR="0" lvl="0" indent="0" algn="r" defTabSz="914400" rtl="0" eaLnBrk="1" fontAlgn="auto" latinLnBrk="0" hangingPunct="1">
-                <a:lnSpc>
-                  <a:spcPct val="100000"/>
-                </a:lnSpc>
-                <a:spcBef>
-                  <a:spcPts val="0"/>
-                </a:spcBef>
-                <a:spcAft>
-                  <a:spcPts val="0"/>
-                </a:spcAft>
-                <a:buClrTx/>
-                <a:buSzTx/>
-                <a:buFontTx/>
-                <a:buNone/>
-                <a:tabLst/>
-                <a:defRPr/>
-              </a:pPr>
-              <a:t>30</a:t>
+            <a:fld id="{7FE50167-558C-4D4E-A218-0F44CB45BE81}" type="slidenum">
+              <a:rPr lang="en-US" smtClean="0"/>
+              <a:t>31</a:t>
             </a:fld>
-            <a:endParaRPr kumimoji="0" lang="en-US" sz="1200" b="0" i="0" u="none" strike="noStrike" kern="1200" cap="none" spc="0" normalizeH="0" baseline="0" noProof="0">
-              <a:ln>
-                <a:noFill/>
-              </a:ln>
-              <a:solidFill>
-                <a:prstClr val="black"/>
-              </a:solidFill>
-              <a:effectLst/>
-              <a:uLnTx/>
-              <a:uFillTx/>
-              <a:latin typeface="Calibri" panose="020F0502020204030204"/>
-              <a:ea typeface="+mn-ea"/>
-              <a:cs typeface="+mn-cs"/>
-            </a:endParaRPr>
+            <a:endParaRPr lang="en-US"/>
           </a:p>
         </p:txBody>
       </p:sp>
     </p:spTree>
     <p:extLst>
       <p:ext uri="{BB962C8B-B14F-4D97-AF65-F5344CB8AC3E}">
-        <p14:creationId xmlns:p14="http://schemas.microsoft.com/office/powerpoint/2010/main" val="4023775969"/>
+        <p14:creationId xmlns:p14="http://schemas.microsoft.com/office/powerpoint/2010/main" val="4031920851"/>
+      </p:ext>
+    </p:extLst>
+  </p:cSld>
+  <p:clrMapOvr>
+    <a:masterClrMapping/>
+  </p:clrMapOvr>
+</p:notes>
+</file>
+
+<file path=ppt/notesSlides/notesSlide25.xml><?xml version="1.0" encoding="utf-8"?>
+<p:notes xmlns:a="http://schemas.openxmlformats.org/drawingml/2006/main" xmlns:r="http://schemas.openxmlformats.org/officeDocument/2006/relationships" xmlns:p="http://schemas.openxmlformats.org/presentationml/2006/main">
+  <p:cSld>
+    <p:spTree>
+      <p:nvGrpSpPr>
+        <p:cNvPr id="1" name=""/>
+        <p:cNvGrpSpPr/>
+        <p:nvPr/>
+      </p:nvGrpSpPr>
+      <p:grpSpPr>
+        <a:xfrm>
+          <a:off x="0" y="0"/>
+          <a:ext cx="0" cy="0"/>
+          <a:chOff x="0" y="0"/>
+          <a:chExt cx="0" cy="0"/>
+        </a:xfrm>
+      </p:grpSpPr>
+      <p:sp>
+        <p:nvSpPr>
+          <p:cNvPr id="2" name="Slide Image Placeholder 1"/>
+          <p:cNvSpPr>
+            <a:spLocks noGrp="1" noRot="1" noChangeAspect="1"/>
+          </p:cNvSpPr>
+          <p:nvPr>
+            <p:ph type="sldImg"/>
+          </p:nvPr>
+        </p:nvSpPr>
+        <p:spPr/>
+      </p:sp>
+      <p:sp>
+        <p:nvSpPr>
+          <p:cNvPr id="3" name="Notes Placeholder 2"/>
+          <p:cNvSpPr>
+            <a:spLocks noGrp="1"/>
+          </p:cNvSpPr>
+          <p:nvPr>
+            <p:ph type="body" idx="1"/>
+          </p:nvPr>
+        </p:nvSpPr>
+        <p:spPr/>
+        <p:txBody>
+          <a:bodyPr/>
+          <a:lstStyle/>
+          <a:p>
+            <a:r>
+              <a:rPr lang="en-US" dirty="0"/>
+              <a:t>61-image-displayed-directly-from-url.png</a:t>
+            </a:r>
+          </a:p>
+        </p:txBody>
+      </p:sp>
+      <p:sp>
+        <p:nvSpPr>
+          <p:cNvPr id="4" name="Slide Number Placeholder 3"/>
+          <p:cNvSpPr>
+            <a:spLocks noGrp="1"/>
+          </p:cNvSpPr>
+          <p:nvPr>
+            <p:ph type="sldNum" sz="quarter" idx="5"/>
+          </p:nvPr>
+        </p:nvSpPr>
+        <p:spPr/>
+        <p:txBody>
+          <a:bodyPr/>
+          <a:lstStyle/>
+          <a:p>
+            <a:fld id="{7FE50167-558C-4D4E-A218-0F44CB45BE81}" type="slidenum">
+              <a:rPr lang="en-US" smtClean="0"/>
+              <a:t>32</a:t>
+            </a:fld>
+            <a:endParaRPr lang="en-US"/>
+          </a:p>
+        </p:txBody>
+      </p:sp>
+    </p:spTree>
+    <p:extLst>
+      <p:ext uri="{BB962C8B-B14F-4D97-AF65-F5344CB8AC3E}">
+        <p14:creationId xmlns:p14="http://schemas.microsoft.com/office/powerpoint/2010/main" val="3294276652"/>
       </p:ext>
     </p:extLst>
   </p:cSld>
@@ -3206,7 +3215,7 @@
           <a:p>
             <a:fld id="{48FC2B21-7E56-4657-8153-3102D269B655}" type="datetimeFigureOut">
               <a:rPr lang="en-US" smtClean="0"/>
-              <a:t>10/10/2021</a:t>
+              <a:t>10/12/2021</a:t>
             </a:fld>
             <a:endParaRPr lang="en-US"/>
           </a:p>
@@ -3404,7 +3413,7 @@
           <a:p>
             <a:fld id="{48FC2B21-7E56-4657-8153-3102D269B655}" type="datetimeFigureOut">
               <a:rPr lang="en-US" smtClean="0"/>
-              <a:t>10/10/2021</a:t>
+              <a:t>10/12/2021</a:t>
             </a:fld>
             <a:endParaRPr lang="en-US"/>
           </a:p>
@@ -3612,7 +3621,7 @@
           <a:p>
             <a:fld id="{48FC2B21-7E56-4657-8153-3102D269B655}" type="datetimeFigureOut">
               <a:rPr lang="en-US" smtClean="0"/>
-              <a:t>10/10/2021</a:t>
+              <a:t>10/12/2021</a:t>
             </a:fld>
             <a:endParaRPr lang="en-US"/>
           </a:p>
@@ -3810,7 +3819,7 @@
           <a:p>
             <a:fld id="{48FC2B21-7E56-4657-8153-3102D269B655}" type="datetimeFigureOut">
               <a:rPr lang="en-US" smtClean="0"/>
-              <a:t>10/10/2021</a:t>
+              <a:t>10/12/2021</a:t>
             </a:fld>
             <a:endParaRPr lang="en-US"/>
           </a:p>
@@ -4085,7 +4094,7 @@
           <a:p>
             <a:fld id="{48FC2B21-7E56-4657-8153-3102D269B655}" type="datetimeFigureOut">
               <a:rPr lang="en-US" smtClean="0"/>
-              <a:t>10/10/2021</a:t>
+              <a:t>10/12/2021</a:t>
             </a:fld>
             <a:endParaRPr lang="en-US"/>
           </a:p>
@@ -4350,7 +4359,7 @@
           <a:p>
             <a:fld id="{48FC2B21-7E56-4657-8153-3102D269B655}" type="datetimeFigureOut">
               <a:rPr lang="en-US" smtClean="0"/>
-              <a:t>10/10/2021</a:t>
+              <a:t>10/12/2021</a:t>
             </a:fld>
             <a:endParaRPr lang="en-US"/>
           </a:p>
@@ -4762,7 +4771,7 @@
           <a:p>
             <a:fld id="{48FC2B21-7E56-4657-8153-3102D269B655}" type="datetimeFigureOut">
               <a:rPr lang="en-US" smtClean="0"/>
-              <a:t>10/10/2021</a:t>
+              <a:t>10/12/2021</a:t>
             </a:fld>
             <a:endParaRPr lang="en-US"/>
           </a:p>
@@ -4903,7 +4912,7 @@
           <a:p>
             <a:fld id="{48FC2B21-7E56-4657-8153-3102D269B655}" type="datetimeFigureOut">
               <a:rPr lang="en-US" smtClean="0"/>
-              <a:t>10/10/2021</a:t>
+              <a:t>10/12/2021</a:t>
             </a:fld>
             <a:endParaRPr lang="en-US"/>
           </a:p>
@@ -5016,7 +5025,7 @@
           <a:p>
             <a:fld id="{48FC2B21-7E56-4657-8153-3102D269B655}" type="datetimeFigureOut">
               <a:rPr lang="en-US" smtClean="0"/>
-              <a:t>10/10/2021</a:t>
+              <a:t>10/12/2021</a:t>
             </a:fld>
             <a:endParaRPr lang="en-US"/>
           </a:p>
@@ -5327,7 +5336,7 @@
           <a:p>
             <a:fld id="{48FC2B21-7E56-4657-8153-3102D269B655}" type="datetimeFigureOut">
               <a:rPr lang="en-US" smtClean="0"/>
-              <a:t>10/10/2021</a:t>
+              <a:t>10/12/2021</a:t>
             </a:fld>
             <a:endParaRPr lang="en-US"/>
           </a:p>
@@ -5615,7 +5624,7 @@
           <a:p>
             <a:fld id="{48FC2B21-7E56-4657-8153-3102D269B655}" type="datetimeFigureOut">
               <a:rPr lang="en-US" smtClean="0"/>
-              <a:t>10/10/2021</a:t>
+              <a:t>10/12/2021</a:t>
             </a:fld>
             <a:endParaRPr lang="en-US"/>
           </a:p>
@@ -5856,7 +5865,7 @@
           <a:p>
             <a:fld id="{48FC2B21-7E56-4657-8153-3102D269B655}" type="datetimeFigureOut">
               <a:rPr lang="en-US" smtClean="0"/>
-              <a:t>10/10/2021</a:t>
+              <a:t>10/12/2021</a:t>
             </a:fld>
             <a:endParaRPr lang="en-US"/>
           </a:p>
@@ -8438,10 +8447,10 @@
       </p:grpSpPr>
       <p:pic>
         <p:nvPicPr>
-          <p:cNvPr id="5" name="Picture 4">
-            <a:extLst>
-              <a:ext uri="{FF2B5EF4-FFF2-40B4-BE49-F238E27FC236}">
-                <a16:creationId xmlns:a16="http://schemas.microsoft.com/office/drawing/2014/main" id="{ECD11250-5C01-4D04-965B-A597E1D62949}"/>
+          <p:cNvPr id="4" name="Picture 3">
+            <a:extLst>
+              <a:ext uri="{FF2B5EF4-FFF2-40B4-BE49-F238E27FC236}">
+                <a16:creationId xmlns:a16="http://schemas.microsoft.com/office/drawing/2014/main" id="{55E6D675-DAD6-4D32-9BA2-17E3B7FC3807}"/>
               </a:ext>
             </a:extLst>
           </p:cNvPr>
@@ -8458,8 +8467,8 @@
         </p:blipFill>
         <p:spPr>
           <a:xfrm>
-            <a:off x="0" y="965700"/>
-            <a:ext cx="12192000" cy="4926600"/>
+            <a:off x="127754" y="752101"/>
+            <a:ext cx="11936491" cy="5353797"/>
           </a:xfrm>
           <a:prstGeom prst="rect">
             <a:avLst/>
@@ -8480,8 +8489,8 @@
         </p:nvSpPr>
         <p:spPr>
           <a:xfrm>
-            <a:off x="0" y="3696929"/>
-            <a:ext cx="12191999" cy="412956"/>
+            <a:off x="127754" y="5029200"/>
+            <a:ext cx="11723351" cy="312822"/>
           </a:xfrm>
           <a:prstGeom prst="rect">
             <a:avLst/>
@@ -8579,10 +8588,10 @@
       </p:grpSpPr>
       <p:pic>
         <p:nvPicPr>
-          <p:cNvPr id="5" name="Picture 4">
-            <a:extLst>
-              <a:ext uri="{FF2B5EF4-FFF2-40B4-BE49-F238E27FC236}">
-                <a16:creationId xmlns:a16="http://schemas.microsoft.com/office/drawing/2014/main" id="{B8E40008-2A38-4AA1-B56E-7C7EA6587F0A}"/>
+          <p:cNvPr id="4" name="Picture 3">
+            <a:extLst>
+              <a:ext uri="{FF2B5EF4-FFF2-40B4-BE49-F238E27FC236}">
+                <a16:creationId xmlns:a16="http://schemas.microsoft.com/office/drawing/2014/main" id="{743BC918-937D-4BFC-AE2D-3C5AB390E7A2}"/>
               </a:ext>
             </a:extLst>
           </p:cNvPr>
@@ -8599,8 +8608,8 @@
         </p:blipFill>
         <p:spPr>
           <a:xfrm>
-            <a:off x="0" y="85746"/>
-            <a:ext cx="12192000" cy="6686508"/>
+            <a:off x="203965" y="428206"/>
+            <a:ext cx="11784070" cy="6001588"/>
           </a:xfrm>
           <a:prstGeom prst="rect">
             <a:avLst/>
@@ -8621,8 +8630,8 @@
         </p:nvSpPr>
         <p:spPr>
           <a:xfrm>
-            <a:off x="0" y="1936955"/>
-            <a:ext cx="12191999" cy="412956"/>
+            <a:off x="203965" y="2057270"/>
+            <a:ext cx="11784070" cy="337014"/>
           </a:xfrm>
           <a:prstGeom prst="rect">
             <a:avLst/>
@@ -8720,10 +8729,10 @@
       </p:grpSpPr>
       <p:pic>
         <p:nvPicPr>
-          <p:cNvPr id="5" name="Picture 4">
-            <a:extLst>
-              <a:ext uri="{FF2B5EF4-FFF2-40B4-BE49-F238E27FC236}">
-                <a16:creationId xmlns:a16="http://schemas.microsoft.com/office/drawing/2014/main" id="{3E382EDF-61ED-4C0E-BC4E-23459DAA15FE}"/>
+          <p:cNvPr id="3" name="Picture 2">
+            <a:extLst>
+              <a:ext uri="{FF2B5EF4-FFF2-40B4-BE49-F238E27FC236}">
+                <a16:creationId xmlns:a16="http://schemas.microsoft.com/office/drawing/2014/main" id="{A4A34B0A-69E6-44BC-AB69-2C33CEED9481}"/>
               </a:ext>
             </a:extLst>
           </p:cNvPr>
@@ -8740,14 +8749,95 @@
         </p:blipFill>
         <p:spPr>
           <a:xfrm>
-            <a:off x="0" y="63728"/>
-            <a:ext cx="12192000" cy="6730544"/>
+            <a:off x="70596" y="175758"/>
+            <a:ext cx="12050807" cy="6506483"/>
           </a:xfrm>
           <a:prstGeom prst="rect">
             <a:avLst/>
           </a:prstGeom>
         </p:spPr>
       </p:pic>
+      <p:sp>
+        <p:nvSpPr>
+          <p:cNvPr id="6" name="Rectangle 5">
+            <a:extLst>
+              <a:ext uri="{FF2B5EF4-FFF2-40B4-BE49-F238E27FC236}">
+                <a16:creationId xmlns:a16="http://schemas.microsoft.com/office/drawing/2014/main" id="{95E6BA6A-6766-4822-BA99-CFF12C448E19}"/>
+              </a:ext>
+            </a:extLst>
+          </p:cNvPr>
+          <p:cNvSpPr/>
+          <p:nvPr/>
+        </p:nvSpPr>
+        <p:spPr>
+          <a:xfrm>
+            <a:off x="10106526" y="1696323"/>
+            <a:ext cx="1893540" cy="337014"/>
+          </a:xfrm>
+          <a:prstGeom prst="rect">
+            <a:avLst/>
+          </a:prstGeom>
+          <a:noFill/>
+          <a:ln w="38100">
+            <a:solidFill>
+              <a:srgbClr val="FF0000"/>
+            </a:solidFill>
+          </a:ln>
+        </p:spPr>
+        <p:style>
+          <a:lnRef idx="2">
+            <a:schemeClr val="accent1">
+              <a:shade val="50000"/>
+            </a:schemeClr>
+          </a:lnRef>
+          <a:fillRef idx="1">
+            <a:schemeClr val="accent1"/>
+          </a:fillRef>
+          <a:effectRef idx="0">
+            <a:schemeClr val="accent1"/>
+          </a:effectRef>
+          <a:fontRef idx="minor">
+            <a:schemeClr val="lt1"/>
+          </a:fontRef>
+        </p:style>
+        <p:txBody>
+          <a:bodyPr rtlCol="0" anchor="ctr"/>
+          <a:lstStyle/>
+          <a:p>
+            <a:pPr marL="0" marR="0" lvl="0" indent="0" algn="ctr" defTabSz="914400" rtl="0" eaLnBrk="1" fontAlgn="auto" latinLnBrk="0" hangingPunct="1">
+              <a:lnSpc>
+                <a:spcPct val="100000"/>
+              </a:lnSpc>
+              <a:spcBef>
+                <a:spcPts val="0"/>
+              </a:spcBef>
+              <a:spcAft>
+                <a:spcPts val="0"/>
+              </a:spcAft>
+              <a:buClrTx/>
+              <a:buSzTx/>
+              <a:buFontTx/>
+              <a:buNone/>
+              <a:tabLst/>
+              <a:defRPr/>
+            </a:pPr>
+            <a:endParaRPr kumimoji="0" lang="en-US" sz="1800" b="0" i="0" u="none" strike="noStrike" kern="1200" cap="none" spc="0" normalizeH="0" baseline="0" noProof="0">
+              <a:ln>
+                <a:noFill/>
+              </a:ln>
+              <a:solidFill>
+                <a:prstClr val="white"/>
+              </a:solidFill>
+              <a:effectLst/>
+              <a:uLnTx/>
+              <a:uFillTx/>
+              <a:latin typeface="Calibri" panose="020F0502020204030204"/>
+              <a:ea typeface="+mn-ea"/>
+              <a:cs typeface="+mn-cs"/>
+            </a:endParaRPr>
+          </a:p>
+        </p:txBody>
+      </p:sp>
     </p:spTree>
     <p:extLst>
       <p:ext uri="{BB962C8B-B14F-4D97-AF65-F5344CB8AC3E}">
@@ -8838,121 +8928,71 @@
           <a:chExt cx="0" cy="0"/>
         </a:xfrm>
       </p:grpSpPr>
-      <p:pic>
-        <p:nvPicPr>
-          <p:cNvPr id="11" name="Picture 10">
-            <a:extLst>
-              <a:ext uri="{FF2B5EF4-FFF2-40B4-BE49-F238E27FC236}">
-                <a16:creationId xmlns:a16="http://schemas.microsoft.com/office/drawing/2014/main" id="{4B69DCF7-DBFF-4ACC-8218-EEAD88E54395}"/>
-              </a:ext>
-            </a:extLst>
-          </p:cNvPr>
-          <p:cNvPicPr>
-            <a:picLocks noChangeAspect="1"/>
-          </p:cNvPicPr>
-          <p:nvPr/>
-        </p:nvPicPr>
-        <p:blipFill>
-          <a:blip r:embed="rId3"/>
-          <a:stretch>
-            <a:fillRect/>
-          </a:stretch>
-        </p:blipFill>
+      <p:sp>
+        <p:nvSpPr>
+          <p:cNvPr id="5" name="Title 1">
+            <a:extLst>
+              <a:ext uri="{FF2B5EF4-FFF2-40B4-BE49-F238E27FC236}">
+                <a16:creationId xmlns:a16="http://schemas.microsoft.com/office/drawing/2014/main" id="{5375C9AB-21BE-4D22-A08C-CA8B6912351E}"/>
+              </a:ext>
+            </a:extLst>
+          </p:cNvPr>
+          <p:cNvSpPr>
+            <a:spLocks noGrp="1"/>
+          </p:cNvSpPr>
+          <p:nvPr>
+            <p:ph type="title"/>
+          </p:nvPr>
+        </p:nvSpPr>
         <p:spPr>
           <a:xfrm>
-            <a:off x="0" y="87752"/>
-            <a:ext cx="12192000" cy="6682496"/>
+            <a:off x="720213" y="3039845"/>
+            <a:ext cx="10515600" cy="778310"/>
           </a:xfrm>
-          <a:prstGeom prst="rect">
-            <a:avLst/>
-          </a:prstGeom>
         </p:spPr>
-      </p:pic>
-      <p:sp>
-        <p:nvSpPr>
-          <p:cNvPr id="2" name="Rectangle 1">
-            <a:extLst>
-              <a:ext uri="{FF2B5EF4-FFF2-40B4-BE49-F238E27FC236}">
-                <a16:creationId xmlns:a16="http://schemas.microsoft.com/office/drawing/2014/main" id="{1DFEF79A-8651-4347-91EB-9C5150587C19}"/>
-              </a:ext>
-            </a:extLst>
-          </p:cNvPr>
-          <p:cNvSpPr/>
-          <p:nvPr/>
-        </p:nvSpPr>
-        <p:spPr>
-          <a:xfrm>
-            <a:off x="10264877" y="973394"/>
-            <a:ext cx="1632155" cy="4670322"/>
-          </a:xfrm>
-          <a:prstGeom prst="rect">
-            <a:avLst/>
-          </a:prstGeom>
-          <a:noFill/>
-          <a:ln w="38100">
-            <a:solidFill>
-              <a:srgbClr val="FF0000"/>
-            </a:solidFill>
-          </a:ln>
-        </p:spPr>
-        <p:style>
-          <a:lnRef idx="2">
-            <a:schemeClr val="accent1">
-              <a:shade val="50000"/>
-            </a:schemeClr>
-          </a:lnRef>
-          <a:fillRef idx="1">
-            <a:schemeClr val="accent1"/>
-          </a:fillRef>
-          <a:effectRef idx="0">
-            <a:schemeClr val="accent1"/>
-          </a:effectRef>
-          <a:fontRef idx="minor">
-            <a:schemeClr val="lt1"/>
-          </a:fontRef>
-        </p:style>
-        <p:txBody>
-          <a:bodyPr rtlCol="0" anchor="ctr"/>
-          <a:lstStyle/>
-          <a:p>
-            <a:pPr marL="0" marR="0" lvl="0" indent="0" algn="ctr" defTabSz="914400" rtl="0" eaLnBrk="1" fontAlgn="auto" latinLnBrk="0" hangingPunct="1">
-              <a:lnSpc>
-                <a:spcPct val="100000"/>
-              </a:lnSpc>
-              <a:spcBef>
-                <a:spcPts val="0"/>
-              </a:spcBef>
-              <a:spcAft>
-                <a:spcPts val="0"/>
-              </a:spcAft>
-              <a:buClrTx/>
-              <a:buSzTx/>
-              <a:buFontTx/>
-              <a:buNone/>
-              <a:tabLst/>
-              <a:defRPr/>
-            </a:pPr>
-            <a:endParaRPr kumimoji="0" lang="en-US" sz="1800" b="0" i="0" u="none" strike="noStrike" kern="1200" cap="none" spc="0" normalizeH="0" baseline="0" noProof="0">
-              <a:ln>
-                <a:noFill/>
-              </a:ln>
-              <a:solidFill>
-                <a:prstClr val="white"/>
-              </a:solidFill>
-              <a:effectLst/>
-              <a:uLnTx/>
-              <a:uFillTx/>
-              <a:latin typeface="Calibri" panose="020F0502020204030204"/>
-              <a:ea typeface="+mn-ea"/>
-              <a:cs typeface="+mn-cs"/>
-            </a:endParaRPr>
+        <p:txBody>
+          <a:bodyPr>
+            <a:normAutofit/>
+          </a:bodyPr>
+          <a:lstStyle/>
+          <a:p>
+            <a:pPr algn="l"/>
+            <a:r>
+              <a:rPr lang="en-US" sz="2800" b="1" i="0" dirty="0">
+                <a:solidFill>
+                  <a:srgbClr val="24292F"/>
+                </a:solidFill>
+                <a:effectLst/>
+                <a:latin typeface="-apple-system"/>
+              </a:rPr>
+              <a:t>6. View Images </a:t>
+            </a:r>
+            <a:r>
+              <a:rPr lang="en-US" sz="2800" b="1" dirty="0">
+                <a:solidFill>
+                  <a:srgbClr val="24292F"/>
+                </a:solidFill>
+                <a:latin typeface="-apple-system"/>
+              </a:rPr>
+              <a:t>D</a:t>
+            </a:r>
+            <a:r>
+              <a:rPr lang="en-US" sz="2800" b="1" i="0" dirty="0">
+                <a:solidFill>
+                  <a:srgbClr val="24292F"/>
+                </a:solidFill>
+                <a:effectLst/>
+                <a:latin typeface="-apple-system"/>
+              </a:rPr>
+              <a:t>irectly with Calculated URL</a:t>
+            </a:r>
           </a:p>
         </p:txBody>
       </p:sp>
     </p:spTree>
     <p:extLst>
       <p:ext uri="{BB962C8B-B14F-4D97-AF65-F5344CB8AC3E}">
-        <p14:creationId xmlns:p14="http://schemas.microsoft.com/office/powerpoint/2010/main" val="59781928"/>
+        <p14:creationId xmlns:p14="http://schemas.microsoft.com/office/powerpoint/2010/main" val="1446235222"/>
       </p:ext>
     </p:extLst>
   </p:cSld>
@@ -8979,103 +9019,12 @@
           <a:chExt cx="0" cy="0"/>
         </a:xfrm>
       </p:grpSpPr>
-      <p:sp>
-        <p:nvSpPr>
-          <p:cNvPr id="5" name="Title 1">
-            <a:extLst>
-              <a:ext uri="{FF2B5EF4-FFF2-40B4-BE49-F238E27FC236}">
-                <a16:creationId xmlns:a16="http://schemas.microsoft.com/office/drawing/2014/main" id="{5375C9AB-21BE-4D22-A08C-CA8B6912351E}"/>
-              </a:ext>
-            </a:extLst>
-          </p:cNvPr>
-          <p:cNvSpPr>
-            <a:spLocks noGrp="1"/>
-          </p:cNvSpPr>
-          <p:nvPr>
-            <p:ph type="title"/>
-          </p:nvPr>
-        </p:nvSpPr>
-        <p:spPr>
-          <a:xfrm>
-            <a:off x="720213" y="3039845"/>
-            <a:ext cx="10515600" cy="778310"/>
-          </a:xfrm>
-        </p:spPr>
-        <p:txBody>
-          <a:bodyPr>
-            <a:normAutofit/>
-          </a:bodyPr>
-          <a:lstStyle/>
-          <a:p>
-            <a:pPr algn="l"/>
-            <a:r>
-              <a:rPr lang="en-US" sz="2800" b="1" i="0" dirty="0">
-                <a:solidFill>
-                  <a:srgbClr val="24292F"/>
-                </a:solidFill>
-                <a:effectLst/>
-                <a:latin typeface="-apple-system"/>
-              </a:rPr>
-              <a:t>6. View Images </a:t>
-            </a:r>
-            <a:r>
-              <a:rPr lang="en-US" sz="2800" b="1" dirty="0">
-                <a:solidFill>
-                  <a:srgbClr val="24292F"/>
-                </a:solidFill>
-                <a:latin typeface="-apple-system"/>
-              </a:rPr>
-              <a:t>D</a:t>
-            </a:r>
-            <a:r>
-              <a:rPr lang="en-US" sz="2800" b="1" i="0" dirty="0">
-                <a:solidFill>
-                  <a:srgbClr val="24292F"/>
-                </a:solidFill>
-                <a:effectLst/>
-                <a:latin typeface="-apple-system"/>
-              </a:rPr>
-              <a:t>irectly with Calculated URL</a:t>
-            </a:r>
-          </a:p>
-        </p:txBody>
-      </p:sp>
-    </p:spTree>
-    <p:extLst>
-      <p:ext uri="{BB962C8B-B14F-4D97-AF65-F5344CB8AC3E}">
-        <p14:creationId xmlns:p14="http://schemas.microsoft.com/office/powerpoint/2010/main" val="1446235222"/>
-      </p:ext>
-    </p:extLst>
-  </p:cSld>
-  <p:clrMapOvr>
-    <a:masterClrMapping/>
-  </p:clrMapOvr>
-</p:sld>
-</file>
-
-<file path=ppt/slides/slide32.xml><?xml version="1.0" encoding="utf-8"?>
-<p:sld xmlns:a="http://schemas.openxmlformats.org/drawingml/2006/main" xmlns:r="http://schemas.openxmlformats.org/officeDocument/2006/relationships" xmlns:p="http://schemas.openxmlformats.org/presentationml/2006/main">
-  <p:cSld>
-    <p:spTree>
-      <p:nvGrpSpPr>
-        <p:cNvPr id="1" name=""/>
-        <p:cNvGrpSpPr/>
-        <p:nvPr/>
-      </p:nvGrpSpPr>
-      <p:grpSpPr>
-        <a:xfrm>
-          <a:off x="0" y="0"/>
-          <a:ext cx="0" cy="0"/>
-          <a:chOff x="0" y="0"/>
-          <a:chExt cx="0" cy="0"/>
-        </a:xfrm>
-      </p:grpSpPr>
       <p:pic>
         <p:nvPicPr>
-          <p:cNvPr id="5" name="Picture 4">
-            <a:extLst>
-              <a:ext uri="{FF2B5EF4-FFF2-40B4-BE49-F238E27FC236}">
-                <a16:creationId xmlns:a16="http://schemas.microsoft.com/office/drawing/2014/main" id="{8C47FE39-12FF-4960-90BA-DDC5AFD03BAA}"/>
+          <p:cNvPr id="3" name="Picture 2">
+            <a:extLst>
+              <a:ext uri="{FF2B5EF4-FFF2-40B4-BE49-F238E27FC236}">
+                <a16:creationId xmlns:a16="http://schemas.microsoft.com/office/drawing/2014/main" id="{2E6EFB4B-14C5-4073-8DD7-51C44CD7A17D}"/>
               </a:ext>
             </a:extLst>
           </p:cNvPr>
@@ -9085,15 +9034,15 @@
           <p:nvPr/>
         </p:nvPicPr>
         <p:blipFill>
-          <a:blip r:embed="rId2"/>
+          <a:blip r:embed="rId3"/>
           <a:stretch>
             <a:fillRect/>
           </a:stretch>
         </p:blipFill>
         <p:spPr>
           <a:xfrm>
-            <a:off x="0" y="304014"/>
-            <a:ext cx="12180751" cy="6249971"/>
+            <a:off x="70596" y="209100"/>
+            <a:ext cx="12050807" cy="6439799"/>
           </a:xfrm>
           <a:prstGeom prst="rect">
             <a:avLst/>
@@ -9114,7 +9063,7 @@
         </p:nvSpPr>
         <p:spPr>
           <a:xfrm rot="5400000">
-            <a:off x="4498945" y="856091"/>
+            <a:off x="4342535" y="1382553"/>
             <a:ext cx="374073" cy="290946"/>
           </a:xfrm>
           <a:prstGeom prst="rightArrow">
@@ -9166,7 +9115,7 @@
         </p:nvSpPr>
         <p:spPr>
           <a:xfrm rot="5400000">
-            <a:off x="3529554" y="841130"/>
+            <a:off x="3469396" y="1382552"/>
             <a:ext cx="374073" cy="290946"/>
           </a:xfrm>
           <a:prstGeom prst="rightArrow">
@@ -9218,7 +9167,7 @@
         </p:nvSpPr>
         <p:spPr>
           <a:xfrm rot="5400000">
-            <a:off x="8070063" y="841130"/>
+            <a:off x="9862770" y="1382552"/>
             <a:ext cx="374073" cy="290946"/>
           </a:xfrm>
           <a:prstGeom prst="rightArrow">
@@ -9269,7 +9218,7 @@
 </p:sld>
 </file>
 
-<file path=ppt/slides/slide33.xml><?xml version="1.0" encoding="utf-8"?>
+<file path=ppt/slides/slide32.xml><?xml version="1.0" encoding="utf-8"?>
 <p:sld xmlns:a="http://schemas.openxmlformats.org/drawingml/2006/main" xmlns:r="http://schemas.openxmlformats.org/officeDocument/2006/relationships" xmlns:p="http://schemas.openxmlformats.org/presentationml/2006/main">
   <p:cSld>
     <p:spTree>
@@ -9286,36 +9235,6 @@
           <a:chExt cx="0" cy="0"/>
         </a:xfrm>
       </p:grpSpPr>
-      <p:pic>
-        <p:nvPicPr>
-          <p:cNvPr id="5" name="Picture 4">
-            <a:extLst>
-              <a:ext uri="{FF2B5EF4-FFF2-40B4-BE49-F238E27FC236}">
-                <a16:creationId xmlns:a16="http://schemas.microsoft.com/office/drawing/2014/main" id="{FBA6E2C6-47F4-4613-822F-3EAD48B51643}"/>
-              </a:ext>
-            </a:extLst>
-          </p:cNvPr>
-          <p:cNvPicPr>
-            <a:picLocks noChangeAspect="1"/>
-          </p:cNvPicPr>
-          <p:nvPr/>
-        </p:nvPicPr>
-        <p:blipFill>
-          <a:blip r:embed="rId2"/>
-          <a:stretch>
-            <a:fillRect/>
-          </a:stretch>
-        </p:blipFill>
-        <p:spPr>
-          <a:xfrm>
-            <a:off x="805417" y="470079"/>
-            <a:ext cx="10336067" cy="6106377"/>
-          </a:xfrm>
-          <a:prstGeom prst="rect">
-            <a:avLst/>
-          </a:prstGeom>
-        </p:spPr>
-      </p:pic>
       <p:sp>
         <p:nvSpPr>
           <p:cNvPr id="6" name="Rectangle 5">
@@ -9420,6 +9339,36 @@
           </a:p>
         </p:txBody>
       </p:sp>
+      <p:pic>
+        <p:nvPicPr>
+          <p:cNvPr id="12" name="Picture 11">
+            <a:extLst>
+              <a:ext uri="{FF2B5EF4-FFF2-40B4-BE49-F238E27FC236}">
+                <a16:creationId xmlns:a16="http://schemas.microsoft.com/office/drawing/2014/main" id="{1AFB6BA6-364D-4882-AF06-A1F4EA61199F}"/>
+              </a:ext>
+            </a:extLst>
+          </p:cNvPr>
+          <p:cNvPicPr>
+            <a:picLocks noChangeAspect="1"/>
+          </p:cNvPicPr>
+          <p:nvPr/>
+        </p:nvPicPr>
+        <p:blipFill>
+          <a:blip r:embed="rId3"/>
+          <a:stretch>
+            <a:fillRect/>
+          </a:stretch>
+        </p:blipFill>
+        <p:spPr>
+          <a:xfrm>
+            <a:off x="1725725" y="632032"/>
+            <a:ext cx="8082453" cy="5593935"/>
+          </a:xfrm>
+          <a:prstGeom prst="rect">
+            <a:avLst/>
+          </a:prstGeom>
+        </p:spPr>
+      </p:pic>
     </p:spTree>
     <p:extLst>
       <p:ext uri="{BB962C8B-B14F-4D97-AF65-F5344CB8AC3E}">
